--- a/capturas.pptx
+++ b/capturas.pptx
@@ -112,6 +112,11 @@
       </a:defRPr>
     </a:lvl9pPr>
   </p:defaultTextStyle>
+  <p:extLst>
+    <p:ext uri="{EFAFB233-063F-42B5-8137-9DF3F51BA10A}">
+      <p15:sldGuideLst xmlns:p15="http://schemas.microsoft.com/office/powerpoint/2012/main"/>
+    </p:ext>
+  </p:extLst>
 </p:presentation>
 </file>
 
@@ -262,7 +267,7 @@
           <a:p>
             <a:fld id="{E1C27DBB-827E-447B-8C27-94D7F0CB1205}" type="datetimeFigureOut">
               <a:rPr lang="es-ES" smtClean="0"/>
-              <a:t>03/02/2025</a:t>
+              <a:t>06/02/2025</a:t>
             </a:fld>
             <a:endParaRPr lang="es-ES"/>
           </a:p>
@@ -460,7 +465,7 @@
           <a:p>
             <a:fld id="{E1C27DBB-827E-447B-8C27-94D7F0CB1205}" type="datetimeFigureOut">
               <a:rPr lang="es-ES" smtClean="0"/>
-              <a:t>03/02/2025</a:t>
+              <a:t>06/02/2025</a:t>
             </a:fld>
             <a:endParaRPr lang="es-ES"/>
           </a:p>
@@ -668,7 +673,7 @@
           <a:p>
             <a:fld id="{E1C27DBB-827E-447B-8C27-94D7F0CB1205}" type="datetimeFigureOut">
               <a:rPr lang="es-ES" smtClean="0"/>
-              <a:t>03/02/2025</a:t>
+              <a:t>06/02/2025</a:t>
             </a:fld>
             <a:endParaRPr lang="es-ES"/>
           </a:p>
@@ -866,7 +871,7 @@
           <a:p>
             <a:fld id="{E1C27DBB-827E-447B-8C27-94D7F0CB1205}" type="datetimeFigureOut">
               <a:rPr lang="es-ES" smtClean="0"/>
-              <a:t>03/02/2025</a:t>
+              <a:t>06/02/2025</a:t>
             </a:fld>
             <a:endParaRPr lang="es-ES"/>
           </a:p>
@@ -1141,7 +1146,7 @@
           <a:p>
             <a:fld id="{E1C27DBB-827E-447B-8C27-94D7F0CB1205}" type="datetimeFigureOut">
               <a:rPr lang="es-ES" smtClean="0"/>
-              <a:t>03/02/2025</a:t>
+              <a:t>06/02/2025</a:t>
             </a:fld>
             <a:endParaRPr lang="es-ES"/>
           </a:p>
@@ -1406,7 +1411,7 @@
           <a:p>
             <a:fld id="{E1C27DBB-827E-447B-8C27-94D7F0CB1205}" type="datetimeFigureOut">
               <a:rPr lang="es-ES" smtClean="0"/>
-              <a:t>03/02/2025</a:t>
+              <a:t>06/02/2025</a:t>
             </a:fld>
             <a:endParaRPr lang="es-ES"/>
           </a:p>
@@ -1818,7 +1823,7 @@
           <a:p>
             <a:fld id="{E1C27DBB-827E-447B-8C27-94D7F0CB1205}" type="datetimeFigureOut">
               <a:rPr lang="es-ES" smtClean="0"/>
-              <a:t>03/02/2025</a:t>
+              <a:t>06/02/2025</a:t>
             </a:fld>
             <a:endParaRPr lang="es-ES"/>
           </a:p>
@@ -1959,7 +1964,7 @@
           <a:p>
             <a:fld id="{E1C27DBB-827E-447B-8C27-94D7F0CB1205}" type="datetimeFigureOut">
               <a:rPr lang="es-ES" smtClean="0"/>
-              <a:t>03/02/2025</a:t>
+              <a:t>06/02/2025</a:t>
             </a:fld>
             <a:endParaRPr lang="es-ES"/>
           </a:p>
@@ -2072,7 +2077,7 @@
           <a:p>
             <a:fld id="{E1C27DBB-827E-447B-8C27-94D7F0CB1205}" type="datetimeFigureOut">
               <a:rPr lang="es-ES" smtClean="0"/>
-              <a:t>03/02/2025</a:t>
+              <a:t>06/02/2025</a:t>
             </a:fld>
             <a:endParaRPr lang="es-ES"/>
           </a:p>
@@ -2383,7 +2388,7 @@
           <a:p>
             <a:fld id="{E1C27DBB-827E-447B-8C27-94D7F0CB1205}" type="datetimeFigureOut">
               <a:rPr lang="es-ES" smtClean="0"/>
-              <a:t>03/02/2025</a:t>
+              <a:t>06/02/2025</a:t>
             </a:fld>
             <a:endParaRPr lang="es-ES"/>
           </a:p>
@@ -2671,7 +2676,7 @@
           <a:p>
             <a:fld id="{E1C27DBB-827E-447B-8C27-94D7F0CB1205}" type="datetimeFigureOut">
               <a:rPr lang="es-ES" smtClean="0"/>
-              <a:t>03/02/2025</a:t>
+              <a:t>06/02/2025</a:t>
             </a:fld>
             <a:endParaRPr lang="es-ES"/>
           </a:p>
@@ -2912,7 +2917,7 @@
           <a:p>
             <a:fld id="{E1C27DBB-827E-447B-8C27-94D7F0CB1205}" type="datetimeFigureOut">
               <a:rPr lang="es-ES" smtClean="0"/>
-              <a:t>03/02/2025</a:t>
+              <a:t>06/02/2025</a:t>
             </a:fld>
             <a:endParaRPr lang="es-ES"/>
           </a:p>
@@ -4117,10 +4122,10 @@
       </p:pic>
       <p:pic>
         <p:nvPicPr>
-          <p:cNvPr id="9" name="Imagen 8">
-            <a:extLst>
-              <a:ext uri="{FF2B5EF4-FFF2-40B4-BE49-F238E27FC236}">
-                <a16:creationId xmlns:a16="http://schemas.microsoft.com/office/drawing/2014/main" id="{5F0D5624-AEB6-E3A9-295F-ACEDA1F99B12}"/>
+          <p:cNvPr id="6" name="Imagen 5">
+            <a:extLst>
+              <a:ext uri="{FF2B5EF4-FFF2-40B4-BE49-F238E27FC236}">
+                <a16:creationId xmlns:a16="http://schemas.microsoft.com/office/drawing/2014/main" id="{934B0AE3-2C22-B6EF-1862-F96B28B0A969}"/>
               </a:ext>
             </a:extLst>
           </p:cNvPr>
@@ -4137,8 +4142,8 @@
         </p:blipFill>
         <p:spPr>
           <a:xfrm>
-            <a:off x="1606858" y="3366194"/>
-            <a:ext cx="5047260" cy="3140349"/>
+            <a:off x="1403288" y="3025918"/>
+            <a:ext cx="7001073" cy="3593933"/>
           </a:xfrm>
           <a:prstGeom prst="rect">
             <a:avLst/>
@@ -4183,10 +4188,10 @@
       </p:grpSpPr>
       <p:pic>
         <p:nvPicPr>
-          <p:cNvPr id="3" name="Imagen 2">
-            <a:extLst>
-              <a:ext uri="{FF2B5EF4-FFF2-40B4-BE49-F238E27FC236}">
-                <a16:creationId xmlns:a16="http://schemas.microsoft.com/office/drawing/2014/main" id="{24908D05-1930-9058-975A-F17AB8B34515}"/>
+          <p:cNvPr id="4" name="Imagen 3">
+            <a:extLst>
+              <a:ext uri="{FF2B5EF4-FFF2-40B4-BE49-F238E27FC236}">
+                <a16:creationId xmlns:a16="http://schemas.microsoft.com/office/drawing/2014/main" id="{9F9275EC-D7E9-6F5D-24EC-459F7B2A1528}"/>
               </a:ext>
             </a:extLst>
           </p:cNvPr>
@@ -4203,8 +4208,8 @@
         </p:blipFill>
         <p:spPr>
           <a:xfrm>
-            <a:off x="341050" y="195309"/>
-            <a:ext cx="3955002" cy="3955002"/>
+            <a:off x="245521" y="137996"/>
+            <a:ext cx="6558204" cy="5109140"/>
           </a:xfrm>
           <a:prstGeom prst="rect">
             <a:avLst/>
@@ -4213,10 +4218,10 @@
       </p:pic>
       <p:pic>
         <p:nvPicPr>
-          <p:cNvPr id="6" name="Imagen 5">
-            <a:extLst>
-              <a:ext uri="{FF2B5EF4-FFF2-40B4-BE49-F238E27FC236}">
-                <a16:creationId xmlns:a16="http://schemas.microsoft.com/office/drawing/2014/main" id="{00F28763-BFE3-E4FE-1DFD-8C915530FD7E}"/>
+          <p:cNvPr id="7" name="Imagen 6">
+            <a:extLst>
+              <a:ext uri="{FF2B5EF4-FFF2-40B4-BE49-F238E27FC236}">
+                <a16:creationId xmlns:a16="http://schemas.microsoft.com/office/drawing/2014/main" id="{4B244196-A22D-A2F0-B4AA-F3A810D38DCD}"/>
               </a:ext>
             </a:extLst>
           </p:cNvPr>
@@ -4233,38 +4238,8 @@
         </p:blipFill>
         <p:spPr>
           <a:xfrm>
-            <a:off x="341050" y="4377578"/>
-            <a:ext cx="4790243" cy="1343059"/>
-          </a:xfrm>
-          <a:prstGeom prst="rect">
-            <a:avLst/>
-          </a:prstGeom>
-        </p:spPr>
-      </p:pic>
-      <p:pic>
-        <p:nvPicPr>
-          <p:cNvPr id="10" name="Imagen 9">
-            <a:extLst>
-              <a:ext uri="{FF2B5EF4-FFF2-40B4-BE49-F238E27FC236}">
-                <a16:creationId xmlns:a16="http://schemas.microsoft.com/office/drawing/2014/main" id="{A000FB34-E520-BFBE-C796-984030759140}"/>
-              </a:ext>
-            </a:extLst>
-          </p:cNvPr>
-          <p:cNvPicPr>
-            <a:picLocks noChangeAspect="1"/>
-          </p:cNvPicPr>
-          <p:nvPr/>
-        </p:nvPicPr>
-        <p:blipFill>
-          <a:blip r:embed="rId4"/>
-          <a:stretch>
-            <a:fillRect/>
-          </a:stretch>
-        </p:blipFill>
-        <p:spPr>
-          <a:xfrm>
-            <a:off x="5292746" y="640017"/>
-            <a:ext cx="6558204" cy="4105098"/>
+            <a:off x="5792384" y="2833735"/>
+            <a:ext cx="6228877" cy="3508218"/>
           </a:xfrm>
           <a:prstGeom prst="rect">
             <a:avLst/>
@@ -4309,10 +4284,10 @@
       </p:grpSpPr>
       <p:pic>
         <p:nvPicPr>
-          <p:cNvPr id="4" name="Imagen 3">
-            <a:extLst>
-              <a:ext uri="{FF2B5EF4-FFF2-40B4-BE49-F238E27FC236}">
-                <a16:creationId xmlns:a16="http://schemas.microsoft.com/office/drawing/2014/main" id="{904059F6-4CCB-7323-1061-851CBAB5FDAD}"/>
+          <p:cNvPr id="3" name="Imagen 2">
+            <a:extLst>
+              <a:ext uri="{FF2B5EF4-FFF2-40B4-BE49-F238E27FC236}">
+                <a16:creationId xmlns:a16="http://schemas.microsoft.com/office/drawing/2014/main" id="{748FFA88-20D7-30EB-3328-97C754A41A1F}"/>
               </a:ext>
             </a:extLst>
           </p:cNvPr>
@@ -4329,8 +4304,38 @@
         </p:blipFill>
         <p:spPr>
           <a:xfrm>
-            <a:off x="302320" y="269890"/>
-            <a:ext cx="6060638" cy="3840472"/>
+            <a:off x="325925" y="172233"/>
+            <a:ext cx="8101271" cy="4486598"/>
+          </a:xfrm>
+          <a:prstGeom prst="rect">
+            <a:avLst/>
+          </a:prstGeom>
+        </p:spPr>
+      </p:pic>
+      <p:pic>
+        <p:nvPicPr>
+          <p:cNvPr id="5" name="Imagen 4">
+            <a:extLst>
+              <a:ext uri="{FF2B5EF4-FFF2-40B4-BE49-F238E27FC236}">
+                <a16:creationId xmlns:a16="http://schemas.microsoft.com/office/drawing/2014/main" id="{F5DBFD25-C7E3-8C53-ABEC-EF8D7E770B9E}"/>
+              </a:ext>
+            </a:extLst>
+          </p:cNvPr>
+          <p:cNvPicPr>
+            <a:picLocks noChangeAspect="1"/>
+          </p:cNvPicPr>
+          <p:nvPr/>
+        </p:nvPicPr>
+        <p:blipFill>
+          <a:blip r:embed="rId3"/>
+          <a:stretch>
+            <a:fillRect/>
+          </a:stretch>
+        </p:blipFill>
+        <p:spPr>
+          <a:xfrm>
+            <a:off x="3503691" y="3054537"/>
+            <a:ext cx="7980335" cy="3491947"/>
           </a:xfrm>
           <a:prstGeom prst="rect">
             <a:avLst/>

--- a/capturas.pptx
+++ b/capturas.pptx
@@ -14,6 +14,7 @@
     <p:sldId id="262" r:id="rId8"/>
     <p:sldId id="263" r:id="rId9"/>
     <p:sldId id="264" r:id="rId10"/>
+    <p:sldId id="265" r:id="rId11"/>
   </p:sldIdLst>
   <p:sldSz cx="12192000" cy="6858000"/>
   <p:notesSz cx="6858000" cy="9144000"/>
@@ -267,7 +268,7 @@
           <a:p>
             <a:fld id="{E1C27DBB-827E-447B-8C27-94D7F0CB1205}" type="datetimeFigureOut">
               <a:rPr lang="es-ES" smtClean="0"/>
-              <a:t>06/02/2025</a:t>
+              <a:t>07/02/2025</a:t>
             </a:fld>
             <a:endParaRPr lang="es-ES"/>
           </a:p>
@@ -465,7 +466,7 @@
           <a:p>
             <a:fld id="{E1C27DBB-827E-447B-8C27-94D7F0CB1205}" type="datetimeFigureOut">
               <a:rPr lang="es-ES" smtClean="0"/>
-              <a:t>06/02/2025</a:t>
+              <a:t>07/02/2025</a:t>
             </a:fld>
             <a:endParaRPr lang="es-ES"/>
           </a:p>
@@ -673,7 +674,7 @@
           <a:p>
             <a:fld id="{E1C27DBB-827E-447B-8C27-94D7F0CB1205}" type="datetimeFigureOut">
               <a:rPr lang="es-ES" smtClean="0"/>
-              <a:t>06/02/2025</a:t>
+              <a:t>07/02/2025</a:t>
             </a:fld>
             <a:endParaRPr lang="es-ES"/>
           </a:p>
@@ -871,7 +872,7 @@
           <a:p>
             <a:fld id="{E1C27DBB-827E-447B-8C27-94D7F0CB1205}" type="datetimeFigureOut">
               <a:rPr lang="es-ES" smtClean="0"/>
-              <a:t>06/02/2025</a:t>
+              <a:t>07/02/2025</a:t>
             </a:fld>
             <a:endParaRPr lang="es-ES"/>
           </a:p>
@@ -1146,7 +1147,7 @@
           <a:p>
             <a:fld id="{E1C27DBB-827E-447B-8C27-94D7F0CB1205}" type="datetimeFigureOut">
               <a:rPr lang="es-ES" smtClean="0"/>
-              <a:t>06/02/2025</a:t>
+              <a:t>07/02/2025</a:t>
             </a:fld>
             <a:endParaRPr lang="es-ES"/>
           </a:p>
@@ -1411,7 +1412,7 @@
           <a:p>
             <a:fld id="{E1C27DBB-827E-447B-8C27-94D7F0CB1205}" type="datetimeFigureOut">
               <a:rPr lang="es-ES" smtClean="0"/>
-              <a:t>06/02/2025</a:t>
+              <a:t>07/02/2025</a:t>
             </a:fld>
             <a:endParaRPr lang="es-ES"/>
           </a:p>
@@ -1823,7 +1824,7 @@
           <a:p>
             <a:fld id="{E1C27DBB-827E-447B-8C27-94D7F0CB1205}" type="datetimeFigureOut">
               <a:rPr lang="es-ES" smtClean="0"/>
-              <a:t>06/02/2025</a:t>
+              <a:t>07/02/2025</a:t>
             </a:fld>
             <a:endParaRPr lang="es-ES"/>
           </a:p>
@@ -1964,7 +1965,7 @@
           <a:p>
             <a:fld id="{E1C27DBB-827E-447B-8C27-94D7F0CB1205}" type="datetimeFigureOut">
               <a:rPr lang="es-ES" smtClean="0"/>
-              <a:t>06/02/2025</a:t>
+              <a:t>07/02/2025</a:t>
             </a:fld>
             <a:endParaRPr lang="es-ES"/>
           </a:p>
@@ -2077,7 +2078,7 @@
           <a:p>
             <a:fld id="{E1C27DBB-827E-447B-8C27-94D7F0CB1205}" type="datetimeFigureOut">
               <a:rPr lang="es-ES" smtClean="0"/>
-              <a:t>06/02/2025</a:t>
+              <a:t>07/02/2025</a:t>
             </a:fld>
             <a:endParaRPr lang="es-ES"/>
           </a:p>
@@ -2388,7 +2389,7 @@
           <a:p>
             <a:fld id="{E1C27DBB-827E-447B-8C27-94D7F0CB1205}" type="datetimeFigureOut">
               <a:rPr lang="es-ES" smtClean="0"/>
-              <a:t>06/02/2025</a:t>
+              <a:t>07/02/2025</a:t>
             </a:fld>
             <a:endParaRPr lang="es-ES"/>
           </a:p>
@@ -2676,7 +2677,7 @@
           <a:p>
             <a:fld id="{E1C27DBB-827E-447B-8C27-94D7F0CB1205}" type="datetimeFigureOut">
               <a:rPr lang="es-ES" smtClean="0"/>
-              <a:t>06/02/2025</a:t>
+              <a:t>07/02/2025</a:t>
             </a:fld>
             <a:endParaRPr lang="es-ES"/>
           </a:p>
@@ -2917,7 +2918,7 @@
           <a:p>
             <a:fld id="{E1C27DBB-827E-447B-8C27-94D7F0CB1205}" type="datetimeFigureOut">
               <a:rPr lang="es-ES" smtClean="0"/>
-              <a:t>06/02/2025</a:t>
+              <a:t>07/02/2025</a:t>
             </a:fld>
             <a:endParaRPr lang="es-ES"/>
           </a:p>
@@ -3467,6 +3468,102 @@
 </p:sld>
 </file>
 
+<file path=ppt/slides/slide10.xml><?xml version="1.0" encoding="utf-8"?>
+<p:sld xmlns:a="http://schemas.openxmlformats.org/drawingml/2006/main" xmlns:r="http://schemas.openxmlformats.org/officeDocument/2006/relationships" xmlns:p="http://schemas.openxmlformats.org/presentationml/2006/main">
+  <p:cSld>
+    <p:spTree>
+      <p:nvGrpSpPr>
+        <p:cNvPr id="1" name="">
+          <a:extLst>
+            <a:ext uri="{FF2B5EF4-FFF2-40B4-BE49-F238E27FC236}">
+              <a16:creationId xmlns:a16="http://schemas.microsoft.com/office/drawing/2014/main" id="{33C1538C-87A1-D80F-35AB-7AED4E25008D}"/>
+            </a:ext>
+          </a:extLst>
+        </p:cNvPr>
+        <p:cNvGrpSpPr/>
+        <p:nvPr/>
+      </p:nvGrpSpPr>
+      <p:grpSpPr>
+        <a:xfrm>
+          <a:off x="0" y="0"/>
+          <a:ext cx="0" cy="0"/>
+          <a:chOff x="0" y="0"/>
+          <a:chExt cx="0" cy="0"/>
+        </a:xfrm>
+      </p:grpSpPr>
+      <p:pic>
+        <p:nvPicPr>
+          <p:cNvPr id="4" name="Imagen 3">
+            <a:extLst>
+              <a:ext uri="{FF2B5EF4-FFF2-40B4-BE49-F238E27FC236}">
+                <a16:creationId xmlns:a16="http://schemas.microsoft.com/office/drawing/2014/main" id="{3B950E66-C5FB-7B66-A2E0-B870063A702C}"/>
+              </a:ext>
+            </a:extLst>
+          </p:cNvPr>
+          <p:cNvPicPr>
+            <a:picLocks noChangeAspect="1"/>
+          </p:cNvPicPr>
+          <p:nvPr/>
+        </p:nvPicPr>
+        <p:blipFill>
+          <a:blip r:embed="rId2"/>
+          <a:stretch>
+            <a:fillRect/>
+          </a:stretch>
+        </p:blipFill>
+        <p:spPr>
+          <a:xfrm>
+            <a:off x="276044" y="169863"/>
+            <a:ext cx="6231147" cy="3503599"/>
+          </a:xfrm>
+          <a:prstGeom prst="rect">
+            <a:avLst/>
+          </a:prstGeom>
+        </p:spPr>
+      </p:pic>
+      <p:pic>
+        <p:nvPicPr>
+          <p:cNvPr id="7" name="Imagen 6">
+            <a:extLst>
+              <a:ext uri="{FF2B5EF4-FFF2-40B4-BE49-F238E27FC236}">
+                <a16:creationId xmlns:a16="http://schemas.microsoft.com/office/drawing/2014/main" id="{AC39C2E5-E0B9-B5DC-B647-64C3CA1F1F1E}"/>
+              </a:ext>
+            </a:extLst>
+          </p:cNvPr>
+          <p:cNvPicPr>
+            <a:picLocks noChangeAspect="1"/>
+          </p:cNvPicPr>
+          <p:nvPr/>
+        </p:nvPicPr>
+        <p:blipFill>
+          <a:blip r:embed="rId3"/>
+          <a:stretch>
+            <a:fillRect/>
+          </a:stretch>
+        </p:blipFill>
+        <p:spPr>
+          <a:xfrm>
+            <a:off x="4106926" y="3234905"/>
+            <a:ext cx="7662379" cy="3228188"/>
+          </a:xfrm>
+          <a:prstGeom prst="rect">
+            <a:avLst/>
+          </a:prstGeom>
+        </p:spPr>
+      </p:pic>
+    </p:spTree>
+    <p:extLst>
+      <p:ext uri="{BB962C8B-B14F-4D97-AF65-F5344CB8AC3E}">
+        <p14:creationId xmlns:p14="http://schemas.microsoft.com/office/powerpoint/2010/main" val="1194783721"/>
+      </p:ext>
+    </p:extLst>
+  </p:cSld>
+  <p:clrMapOvr>
+    <a:masterClrMapping/>
+  </p:clrMapOvr>
+</p:sld>
+</file>
+
 <file path=ppt/slides/slide2.xml><?xml version="1.0" encoding="utf-8"?>
 <p:sld xmlns:a="http://schemas.openxmlformats.org/drawingml/2006/main" xmlns:r="http://schemas.openxmlformats.org/officeDocument/2006/relationships" xmlns:p="http://schemas.openxmlformats.org/presentationml/2006/main">
   <p:cSld>

--- a/capturas.pptx
+++ b/capturas.pptx
@@ -15,6 +15,9 @@
     <p:sldId id="263" r:id="rId9"/>
     <p:sldId id="264" r:id="rId10"/>
     <p:sldId id="265" r:id="rId11"/>
+    <p:sldId id="266" r:id="rId12"/>
+    <p:sldId id="267" r:id="rId13"/>
+    <p:sldId id="268" r:id="rId14"/>
   </p:sldIdLst>
   <p:sldSz cx="12192000" cy="6858000"/>
   <p:notesSz cx="6858000" cy="9144000"/>
@@ -3564,6 +3567,354 @@
 </p:sld>
 </file>
 
+<file path=ppt/slides/slide11.xml><?xml version="1.0" encoding="utf-8"?>
+<p:sld xmlns:a="http://schemas.openxmlformats.org/drawingml/2006/main" xmlns:r="http://schemas.openxmlformats.org/officeDocument/2006/relationships" xmlns:p="http://schemas.openxmlformats.org/presentationml/2006/main">
+  <p:cSld>
+    <p:spTree>
+      <p:nvGrpSpPr>
+        <p:cNvPr id="1" name="">
+          <a:extLst>
+            <a:ext uri="{FF2B5EF4-FFF2-40B4-BE49-F238E27FC236}">
+              <a16:creationId xmlns:a16="http://schemas.microsoft.com/office/drawing/2014/main" id="{213F919D-9A3C-7751-F4F7-5EFFAE1B8D9D}"/>
+            </a:ext>
+          </a:extLst>
+        </p:cNvPr>
+        <p:cNvGrpSpPr/>
+        <p:nvPr/>
+      </p:nvGrpSpPr>
+      <p:grpSpPr>
+        <a:xfrm>
+          <a:off x="0" y="0"/>
+          <a:ext cx="0" cy="0"/>
+          <a:chOff x="0" y="0"/>
+          <a:chExt cx="0" cy="0"/>
+        </a:xfrm>
+      </p:grpSpPr>
+      <p:pic>
+        <p:nvPicPr>
+          <p:cNvPr id="3" name="Imagen 2">
+            <a:extLst>
+              <a:ext uri="{FF2B5EF4-FFF2-40B4-BE49-F238E27FC236}">
+                <a16:creationId xmlns:a16="http://schemas.microsoft.com/office/drawing/2014/main" id="{F55D97DD-7BD5-78CB-F92E-A52CF551A974}"/>
+              </a:ext>
+            </a:extLst>
+          </p:cNvPr>
+          <p:cNvPicPr>
+            <a:picLocks noChangeAspect="1"/>
+          </p:cNvPicPr>
+          <p:nvPr/>
+        </p:nvPicPr>
+        <p:blipFill>
+          <a:blip r:embed="rId2"/>
+          <a:stretch>
+            <a:fillRect/>
+          </a:stretch>
+        </p:blipFill>
+        <p:spPr>
+          <a:xfrm>
+            <a:off x="414066" y="322872"/>
+            <a:ext cx="6999883" cy="3507256"/>
+          </a:xfrm>
+          <a:prstGeom prst="rect">
+            <a:avLst/>
+          </a:prstGeom>
+        </p:spPr>
+      </p:pic>
+      <p:pic>
+        <p:nvPicPr>
+          <p:cNvPr id="6" name="Imagen 5">
+            <a:extLst>
+              <a:ext uri="{FF2B5EF4-FFF2-40B4-BE49-F238E27FC236}">
+                <a16:creationId xmlns:a16="http://schemas.microsoft.com/office/drawing/2014/main" id="{10ED8CAE-B9B8-28AE-6F85-C826BF814DC1}"/>
+              </a:ext>
+            </a:extLst>
+          </p:cNvPr>
+          <p:cNvPicPr>
+            <a:picLocks noChangeAspect="1"/>
+          </p:cNvPicPr>
+          <p:nvPr/>
+        </p:nvPicPr>
+        <p:blipFill>
+          <a:blip r:embed="rId3"/>
+          <a:stretch>
+            <a:fillRect/>
+          </a:stretch>
+        </p:blipFill>
+        <p:spPr>
+          <a:xfrm>
+            <a:off x="4451229" y="2345345"/>
+            <a:ext cx="7145547" cy="3971389"/>
+          </a:xfrm>
+          <a:prstGeom prst="rect">
+            <a:avLst/>
+          </a:prstGeom>
+        </p:spPr>
+      </p:pic>
+      <p:pic>
+        <p:nvPicPr>
+          <p:cNvPr id="9" name="Imagen 8">
+            <a:extLst>
+              <a:ext uri="{FF2B5EF4-FFF2-40B4-BE49-F238E27FC236}">
+                <a16:creationId xmlns:a16="http://schemas.microsoft.com/office/drawing/2014/main" id="{F706F70A-AE51-57BD-2147-12A34D333AF6}"/>
+              </a:ext>
+            </a:extLst>
+          </p:cNvPr>
+          <p:cNvPicPr>
+            <a:picLocks noChangeAspect="1"/>
+          </p:cNvPicPr>
+          <p:nvPr/>
+        </p:nvPicPr>
+        <p:blipFill>
+          <a:blip r:embed="rId4"/>
+          <a:stretch>
+            <a:fillRect/>
+          </a:stretch>
+        </p:blipFill>
+        <p:spPr>
+          <a:xfrm>
+            <a:off x="933157" y="4597410"/>
+            <a:ext cx="5477639" cy="1562318"/>
+          </a:xfrm>
+          <a:prstGeom prst="rect">
+            <a:avLst/>
+          </a:prstGeom>
+        </p:spPr>
+      </p:pic>
+    </p:spTree>
+    <p:extLst>
+      <p:ext uri="{BB962C8B-B14F-4D97-AF65-F5344CB8AC3E}">
+        <p14:creationId xmlns:p14="http://schemas.microsoft.com/office/powerpoint/2010/main" val="2423250561"/>
+      </p:ext>
+    </p:extLst>
+  </p:cSld>
+  <p:clrMapOvr>
+    <a:masterClrMapping/>
+  </p:clrMapOvr>
+</p:sld>
+</file>
+
+<file path=ppt/slides/slide12.xml><?xml version="1.0" encoding="utf-8"?>
+<p:sld xmlns:a="http://schemas.openxmlformats.org/drawingml/2006/main" xmlns:r="http://schemas.openxmlformats.org/officeDocument/2006/relationships" xmlns:p="http://schemas.openxmlformats.org/presentationml/2006/main">
+  <p:cSld>
+    <p:spTree>
+      <p:nvGrpSpPr>
+        <p:cNvPr id="1" name="">
+          <a:extLst>
+            <a:ext uri="{FF2B5EF4-FFF2-40B4-BE49-F238E27FC236}">
+              <a16:creationId xmlns:a16="http://schemas.microsoft.com/office/drawing/2014/main" id="{6BA884E1-59A8-53C9-F9A3-6B143585BACE}"/>
+            </a:ext>
+          </a:extLst>
+        </p:cNvPr>
+        <p:cNvGrpSpPr/>
+        <p:nvPr/>
+      </p:nvGrpSpPr>
+      <p:grpSpPr>
+        <a:xfrm>
+          <a:off x="0" y="0"/>
+          <a:ext cx="0" cy="0"/>
+          <a:chOff x="0" y="0"/>
+          <a:chExt cx="0" cy="0"/>
+        </a:xfrm>
+      </p:grpSpPr>
+      <p:pic>
+        <p:nvPicPr>
+          <p:cNvPr id="4" name="Imagen 3">
+            <a:extLst>
+              <a:ext uri="{FF2B5EF4-FFF2-40B4-BE49-F238E27FC236}">
+                <a16:creationId xmlns:a16="http://schemas.microsoft.com/office/drawing/2014/main" id="{80E588B3-E945-57C8-4A1E-30C4CA06028F}"/>
+              </a:ext>
+            </a:extLst>
+          </p:cNvPr>
+          <p:cNvPicPr>
+            <a:picLocks noChangeAspect="1"/>
+          </p:cNvPicPr>
+          <p:nvPr/>
+        </p:nvPicPr>
+        <p:blipFill>
+          <a:blip r:embed="rId2"/>
+          <a:stretch>
+            <a:fillRect/>
+          </a:stretch>
+        </p:blipFill>
+        <p:spPr>
+          <a:xfrm>
+            <a:off x="284670" y="184524"/>
+            <a:ext cx="9880121" cy="2119631"/>
+          </a:xfrm>
+          <a:prstGeom prst="rect">
+            <a:avLst/>
+          </a:prstGeom>
+        </p:spPr>
+      </p:pic>
+      <p:pic>
+        <p:nvPicPr>
+          <p:cNvPr id="7" name="Imagen 6">
+            <a:extLst>
+              <a:ext uri="{FF2B5EF4-FFF2-40B4-BE49-F238E27FC236}">
+                <a16:creationId xmlns:a16="http://schemas.microsoft.com/office/drawing/2014/main" id="{39972F79-E985-9A66-7BF7-04E6C9652F28}"/>
+              </a:ext>
+            </a:extLst>
+          </p:cNvPr>
+          <p:cNvPicPr>
+            <a:picLocks noChangeAspect="1"/>
+          </p:cNvPicPr>
+          <p:nvPr/>
+        </p:nvPicPr>
+        <p:blipFill>
+          <a:blip r:embed="rId3"/>
+          <a:stretch>
+            <a:fillRect/>
+          </a:stretch>
+        </p:blipFill>
+        <p:spPr>
+          <a:xfrm>
+            <a:off x="284670" y="2267324"/>
+            <a:ext cx="9069236" cy="2673221"/>
+          </a:xfrm>
+          <a:prstGeom prst="rect">
+            <a:avLst/>
+          </a:prstGeom>
+        </p:spPr>
+      </p:pic>
+      <p:pic>
+        <p:nvPicPr>
+          <p:cNvPr id="10" name="Imagen 9">
+            <a:extLst>
+              <a:ext uri="{FF2B5EF4-FFF2-40B4-BE49-F238E27FC236}">
+                <a16:creationId xmlns:a16="http://schemas.microsoft.com/office/drawing/2014/main" id="{67A43343-29AA-C6FD-674B-D0FAB7D6453D}"/>
+              </a:ext>
+            </a:extLst>
+          </p:cNvPr>
+          <p:cNvPicPr>
+            <a:picLocks noChangeAspect="1"/>
+          </p:cNvPicPr>
+          <p:nvPr/>
+        </p:nvPicPr>
+        <p:blipFill>
+          <a:blip r:embed="rId4"/>
+          <a:stretch>
+            <a:fillRect/>
+          </a:stretch>
+        </p:blipFill>
+        <p:spPr>
+          <a:xfrm>
+            <a:off x="2682816" y="2873757"/>
+            <a:ext cx="9371162" cy="3892036"/>
+          </a:xfrm>
+          <a:prstGeom prst="rect">
+            <a:avLst/>
+          </a:prstGeom>
+        </p:spPr>
+      </p:pic>
+    </p:spTree>
+    <p:extLst>
+      <p:ext uri="{BB962C8B-B14F-4D97-AF65-F5344CB8AC3E}">
+        <p14:creationId xmlns:p14="http://schemas.microsoft.com/office/powerpoint/2010/main" val="1864021188"/>
+      </p:ext>
+    </p:extLst>
+  </p:cSld>
+  <p:clrMapOvr>
+    <a:masterClrMapping/>
+  </p:clrMapOvr>
+</p:sld>
+</file>
+
+<file path=ppt/slides/slide13.xml><?xml version="1.0" encoding="utf-8"?>
+<p:sld xmlns:a="http://schemas.openxmlformats.org/drawingml/2006/main" xmlns:r="http://schemas.openxmlformats.org/officeDocument/2006/relationships" xmlns:p="http://schemas.openxmlformats.org/presentationml/2006/main">
+  <p:cSld>
+    <p:spTree>
+      <p:nvGrpSpPr>
+        <p:cNvPr id="1" name="">
+          <a:extLst>
+            <a:ext uri="{FF2B5EF4-FFF2-40B4-BE49-F238E27FC236}">
+              <a16:creationId xmlns:a16="http://schemas.microsoft.com/office/drawing/2014/main" id="{98031F53-F712-5FAF-C37A-84F2F096DC3B}"/>
+            </a:ext>
+          </a:extLst>
+        </p:cNvPr>
+        <p:cNvGrpSpPr/>
+        <p:nvPr/>
+      </p:nvGrpSpPr>
+      <p:grpSpPr>
+        <a:xfrm>
+          <a:off x="0" y="0"/>
+          <a:ext cx="0" cy="0"/>
+          <a:chOff x="0" y="0"/>
+          <a:chExt cx="0" cy="0"/>
+        </a:xfrm>
+      </p:grpSpPr>
+      <p:pic>
+        <p:nvPicPr>
+          <p:cNvPr id="3" name="Imagen 2">
+            <a:extLst>
+              <a:ext uri="{FF2B5EF4-FFF2-40B4-BE49-F238E27FC236}">
+                <a16:creationId xmlns:a16="http://schemas.microsoft.com/office/drawing/2014/main" id="{5E0F09F8-80CE-E53C-1545-85CEC1326D8C}"/>
+              </a:ext>
+            </a:extLst>
+          </p:cNvPr>
+          <p:cNvPicPr>
+            <a:picLocks noChangeAspect="1"/>
+          </p:cNvPicPr>
+          <p:nvPr/>
+        </p:nvPicPr>
+        <p:blipFill>
+          <a:blip r:embed="rId2"/>
+          <a:stretch>
+            <a:fillRect/>
+          </a:stretch>
+        </p:blipFill>
+        <p:spPr>
+          <a:xfrm>
+            <a:off x="448574" y="169272"/>
+            <a:ext cx="5647426" cy="3181190"/>
+          </a:xfrm>
+          <a:prstGeom prst="rect">
+            <a:avLst/>
+          </a:prstGeom>
+        </p:spPr>
+      </p:pic>
+      <p:pic>
+        <p:nvPicPr>
+          <p:cNvPr id="6" name="Imagen 5">
+            <a:extLst>
+              <a:ext uri="{FF2B5EF4-FFF2-40B4-BE49-F238E27FC236}">
+                <a16:creationId xmlns:a16="http://schemas.microsoft.com/office/drawing/2014/main" id="{198D3CE3-1FB6-33DD-B0F9-716FA65893FA}"/>
+              </a:ext>
+            </a:extLst>
+          </p:cNvPr>
+          <p:cNvPicPr>
+            <a:picLocks noChangeAspect="1"/>
+          </p:cNvPicPr>
+          <p:nvPr/>
+        </p:nvPicPr>
+        <p:blipFill>
+          <a:blip r:embed="rId3"/>
+          <a:stretch>
+            <a:fillRect/>
+          </a:stretch>
+        </p:blipFill>
+        <p:spPr>
+          <a:xfrm>
+            <a:off x="5141056" y="1820172"/>
+            <a:ext cx="6376645" cy="4554747"/>
+          </a:xfrm>
+          <a:prstGeom prst="rect">
+            <a:avLst/>
+          </a:prstGeom>
+        </p:spPr>
+      </p:pic>
+    </p:spTree>
+    <p:extLst>
+      <p:ext uri="{BB962C8B-B14F-4D97-AF65-F5344CB8AC3E}">
+        <p14:creationId xmlns:p14="http://schemas.microsoft.com/office/powerpoint/2010/main" val="2352447376"/>
+      </p:ext>
+    </p:extLst>
+  </p:cSld>
+  <p:clrMapOvr>
+    <a:masterClrMapping/>
+  </p:clrMapOvr>
+</p:sld>
+</file>
+
 <file path=ppt/slides/slide2.xml><?xml version="1.0" encoding="utf-8"?>
 <p:sld xmlns:a="http://schemas.openxmlformats.org/drawingml/2006/main" xmlns:r="http://schemas.openxmlformats.org/officeDocument/2006/relationships" xmlns:p="http://schemas.openxmlformats.org/presentationml/2006/main">
   <p:cSld>

--- a/capturas.pptx
+++ b/capturas.pptx
@@ -18,6 +18,7 @@
     <p:sldId id="266" r:id="rId12"/>
     <p:sldId id="267" r:id="rId13"/>
     <p:sldId id="268" r:id="rId14"/>
+    <p:sldId id="269" r:id="rId15"/>
   </p:sldIdLst>
   <p:sldSz cx="12192000" cy="6858000"/>
   <p:notesSz cx="6858000" cy="9144000"/>
@@ -3874,10 +3875,10 @@
       </p:pic>
       <p:pic>
         <p:nvPicPr>
-          <p:cNvPr id="6" name="Imagen 5">
-            <a:extLst>
-              <a:ext uri="{FF2B5EF4-FFF2-40B4-BE49-F238E27FC236}">
-                <a16:creationId xmlns:a16="http://schemas.microsoft.com/office/drawing/2014/main" id="{198D3CE3-1FB6-33DD-B0F9-716FA65893FA}"/>
+          <p:cNvPr id="4" name="Imagen 3">
+            <a:extLst>
+              <a:ext uri="{FF2B5EF4-FFF2-40B4-BE49-F238E27FC236}">
+                <a16:creationId xmlns:a16="http://schemas.microsoft.com/office/drawing/2014/main" id="{594DC100-EB8F-6C8D-48BA-4C5CD68CC293}"/>
               </a:ext>
             </a:extLst>
           </p:cNvPr>
@@ -3894,8 +3895,8 @@
         </p:blipFill>
         <p:spPr>
           <a:xfrm>
-            <a:off x="5141056" y="1820172"/>
-            <a:ext cx="6376645" cy="4554747"/>
+            <a:off x="4131263" y="1920284"/>
+            <a:ext cx="7813848" cy="4697896"/>
           </a:xfrm>
           <a:prstGeom prst="rect">
             <a:avLst/>
@@ -3906,6 +3907,72 @@
     <p:extLst>
       <p:ext uri="{BB962C8B-B14F-4D97-AF65-F5344CB8AC3E}">
         <p14:creationId xmlns:p14="http://schemas.microsoft.com/office/powerpoint/2010/main" val="2352447376"/>
+      </p:ext>
+    </p:extLst>
+  </p:cSld>
+  <p:clrMapOvr>
+    <a:masterClrMapping/>
+  </p:clrMapOvr>
+</p:sld>
+</file>
+
+<file path=ppt/slides/slide14.xml><?xml version="1.0" encoding="utf-8"?>
+<p:sld xmlns:a="http://schemas.openxmlformats.org/drawingml/2006/main" xmlns:r="http://schemas.openxmlformats.org/officeDocument/2006/relationships" xmlns:p="http://schemas.openxmlformats.org/presentationml/2006/main">
+  <p:cSld>
+    <p:spTree>
+      <p:nvGrpSpPr>
+        <p:cNvPr id="1" name="">
+          <a:extLst>
+            <a:ext uri="{FF2B5EF4-FFF2-40B4-BE49-F238E27FC236}">
+              <a16:creationId xmlns:a16="http://schemas.microsoft.com/office/drawing/2014/main" id="{48BE02E0-ADC7-8EFD-B50F-E9823B19DBA4}"/>
+            </a:ext>
+          </a:extLst>
+        </p:cNvPr>
+        <p:cNvGrpSpPr/>
+        <p:nvPr/>
+      </p:nvGrpSpPr>
+      <p:grpSpPr>
+        <a:xfrm>
+          <a:off x="0" y="0"/>
+          <a:ext cx="0" cy="0"/>
+          <a:chOff x="0" y="0"/>
+          <a:chExt cx="0" cy="0"/>
+        </a:xfrm>
+      </p:grpSpPr>
+      <p:pic>
+        <p:nvPicPr>
+          <p:cNvPr id="4" name="Imagen 3">
+            <a:extLst>
+              <a:ext uri="{FF2B5EF4-FFF2-40B4-BE49-F238E27FC236}">
+                <a16:creationId xmlns:a16="http://schemas.microsoft.com/office/drawing/2014/main" id="{3E90A898-FD72-FA9F-9FBB-36B075AB931A}"/>
+              </a:ext>
+            </a:extLst>
+          </p:cNvPr>
+          <p:cNvPicPr>
+            <a:picLocks noChangeAspect="1"/>
+          </p:cNvPicPr>
+          <p:nvPr/>
+        </p:nvPicPr>
+        <p:blipFill>
+          <a:blip r:embed="rId2"/>
+          <a:stretch>
+            <a:fillRect/>
+          </a:stretch>
+        </p:blipFill>
+        <p:spPr>
+          <a:xfrm>
+            <a:off x="556592" y="351467"/>
+            <a:ext cx="7694844" cy="4836759"/>
+          </a:xfrm>
+          <a:prstGeom prst="rect">
+            <a:avLst/>
+          </a:prstGeom>
+        </p:spPr>
+      </p:pic>
+    </p:spTree>
+    <p:extLst>
+      <p:ext uri="{BB962C8B-B14F-4D97-AF65-F5344CB8AC3E}">
+        <p14:creationId xmlns:p14="http://schemas.microsoft.com/office/powerpoint/2010/main" val="2468505197"/>
       </p:ext>
     </p:extLst>
   </p:cSld>

--- a/capturas.pptx
+++ b/capturas.pptx
@@ -19,6 +19,7 @@
     <p:sldId id="267" r:id="rId13"/>
     <p:sldId id="268" r:id="rId14"/>
     <p:sldId id="269" r:id="rId15"/>
+    <p:sldId id="270" r:id="rId16"/>
   </p:sldIdLst>
   <p:sldSz cx="12192000" cy="6858000"/>
   <p:notesSz cx="6858000" cy="9144000"/>
@@ -3941,10 +3942,10 @@
       </p:grpSpPr>
       <p:pic>
         <p:nvPicPr>
-          <p:cNvPr id="4" name="Imagen 3">
-            <a:extLst>
-              <a:ext uri="{FF2B5EF4-FFF2-40B4-BE49-F238E27FC236}">
-                <a16:creationId xmlns:a16="http://schemas.microsoft.com/office/drawing/2014/main" id="{3E90A898-FD72-FA9F-9FBB-36B075AB931A}"/>
+          <p:cNvPr id="3" name="Imagen 2">
+            <a:extLst>
+              <a:ext uri="{FF2B5EF4-FFF2-40B4-BE49-F238E27FC236}">
+                <a16:creationId xmlns:a16="http://schemas.microsoft.com/office/drawing/2014/main" id="{A72D5995-D962-BCBA-46B2-411966080991}"/>
               </a:ext>
             </a:extLst>
           </p:cNvPr>
@@ -3961,8 +3962,128 @@
         </p:blipFill>
         <p:spPr>
           <a:xfrm>
-            <a:off x="556592" y="351467"/>
-            <a:ext cx="7694844" cy="4836759"/>
+            <a:off x="278296" y="176155"/>
+            <a:ext cx="5022916" cy="4760279"/>
+          </a:xfrm>
+          <a:prstGeom prst="rect">
+            <a:avLst/>
+          </a:prstGeom>
+        </p:spPr>
+      </p:pic>
+      <p:pic>
+        <p:nvPicPr>
+          <p:cNvPr id="6" name="Imagen 5">
+            <a:extLst>
+              <a:ext uri="{FF2B5EF4-FFF2-40B4-BE49-F238E27FC236}">
+                <a16:creationId xmlns:a16="http://schemas.microsoft.com/office/drawing/2014/main" id="{B4E26F2C-808A-25C3-AD94-D9DE539B23C6}"/>
+              </a:ext>
+            </a:extLst>
+          </p:cNvPr>
+          <p:cNvPicPr>
+            <a:picLocks noChangeAspect="1"/>
+          </p:cNvPicPr>
+          <p:nvPr/>
+        </p:nvPicPr>
+        <p:blipFill>
+          <a:blip r:embed="rId3"/>
+          <a:stretch>
+            <a:fillRect/>
+          </a:stretch>
+        </p:blipFill>
+        <p:spPr>
+          <a:xfrm>
+            <a:off x="5029217" y="790028"/>
+            <a:ext cx="6884487" cy="3532532"/>
+          </a:xfrm>
+          <a:prstGeom prst="rect">
+            <a:avLst/>
+          </a:prstGeom>
+        </p:spPr>
+      </p:pic>
+      <p:pic>
+        <p:nvPicPr>
+          <p:cNvPr id="8" name="Imagen 7">
+            <a:extLst>
+              <a:ext uri="{FF2B5EF4-FFF2-40B4-BE49-F238E27FC236}">
+                <a16:creationId xmlns:a16="http://schemas.microsoft.com/office/drawing/2014/main" id="{113C5444-4FCC-10A6-C156-5A112FB0FFF2}"/>
+              </a:ext>
+            </a:extLst>
+          </p:cNvPr>
+          <p:cNvPicPr>
+            <a:picLocks noChangeAspect="1"/>
+          </p:cNvPicPr>
+          <p:nvPr/>
+        </p:nvPicPr>
+        <p:blipFill>
+          <a:blip r:embed="rId4"/>
+          <a:stretch>
+            <a:fillRect/>
+          </a:stretch>
+        </p:blipFill>
+        <p:spPr>
+          <a:xfrm>
+            <a:off x="374506" y="2377803"/>
+            <a:ext cx="4946567" cy="3889513"/>
+          </a:xfrm>
+          <a:prstGeom prst="rect">
+            <a:avLst/>
+          </a:prstGeom>
+        </p:spPr>
+      </p:pic>
+      <p:pic>
+        <p:nvPicPr>
+          <p:cNvPr id="10" name="Imagen 9">
+            <a:extLst>
+              <a:ext uri="{FF2B5EF4-FFF2-40B4-BE49-F238E27FC236}">
+                <a16:creationId xmlns:a16="http://schemas.microsoft.com/office/drawing/2014/main" id="{AF471EB9-70B6-AC9D-80D5-3D8E88C27BD5}"/>
+              </a:ext>
+            </a:extLst>
+          </p:cNvPr>
+          <p:cNvPicPr>
+            <a:picLocks noChangeAspect="1"/>
+          </p:cNvPicPr>
+          <p:nvPr/>
+        </p:nvPicPr>
+        <p:blipFill>
+          <a:blip r:embed="rId5"/>
+          <a:stretch>
+            <a:fillRect/>
+          </a:stretch>
+        </p:blipFill>
+        <p:spPr>
+          <a:xfrm>
+            <a:off x="1736069" y="3758769"/>
+            <a:ext cx="3934374" cy="4096322"/>
+          </a:xfrm>
+          <a:prstGeom prst="rect">
+            <a:avLst/>
+          </a:prstGeom>
+        </p:spPr>
+      </p:pic>
+      <p:pic>
+        <p:nvPicPr>
+          <p:cNvPr id="12" name="Imagen 11">
+            <a:extLst>
+              <a:ext uri="{FF2B5EF4-FFF2-40B4-BE49-F238E27FC236}">
+                <a16:creationId xmlns:a16="http://schemas.microsoft.com/office/drawing/2014/main" id="{C315F652-B4B3-462A-141F-5ED099D334C6}"/>
+              </a:ext>
+            </a:extLst>
+          </p:cNvPr>
+          <p:cNvPicPr>
+            <a:picLocks noChangeAspect="1"/>
+          </p:cNvPicPr>
+          <p:nvPr/>
+        </p:nvPicPr>
+        <p:blipFill>
+          <a:blip r:embed="rId6"/>
+          <a:stretch>
+            <a:fillRect/>
+          </a:stretch>
+        </p:blipFill>
+        <p:spPr>
+          <a:xfrm>
+            <a:off x="5424786" y="3625159"/>
+            <a:ext cx="6093348" cy="4156733"/>
           </a:xfrm>
           <a:prstGeom prst="rect">
             <a:avLst/>
@@ -3973,6 +4094,72 @@
     <p:extLst>
       <p:ext uri="{BB962C8B-B14F-4D97-AF65-F5344CB8AC3E}">
         <p14:creationId xmlns:p14="http://schemas.microsoft.com/office/powerpoint/2010/main" val="2468505197"/>
+      </p:ext>
+    </p:extLst>
+  </p:cSld>
+  <p:clrMapOvr>
+    <a:masterClrMapping/>
+  </p:clrMapOvr>
+</p:sld>
+</file>
+
+<file path=ppt/slides/slide15.xml><?xml version="1.0" encoding="utf-8"?>
+<p:sld xmlns:a="http://schemas.openxmlformats.org/drawingml/2006/main" xmlns:r="http://schemas.openxmlformats.org/officeDocument/2006/relationships" xmlns:p="http://schemas.openxmlformats.org/presentationml/2006/main">
+  <p:cSld>
+    <p:spTree>
+      <p:nvGrpSpPr>
+        <p:cNvPr id="1" name="">
+          <a:extLst>
+            <a:ext uri="{FF2B5EF4-FFF2-40B4-BE49-F238E27FC236}">
+              <a16:creationId xmlns:a16="http://schemas.microsoft.com/office/drawing/2014/main" id="{469AE527-7C93-5DA9-EC64-98ED59567FB6}"/>
+            </a:ext>
+          </a:extLst>
+        </p:cNvPr>
+        <p:cNvGrpSpPr/>
+        <p:nvPr/>
+      </p:nvGrpSpPr>
+      <p:grpSpPr>
+        <a:xfrm>
+          <a:off x="0" y="0"/>
+          <a:ext cx="0" cy="0"/>
+          <a:chOff x="0" y="0"/>
+          <a:chExt cx="0" cy="0"/>
+        </a:xfrm>
+      </p:grpSpPr>
+      <p:pic>
+        <p:nvPicPr>
+          <p:cNvPr id="4" name="Imagen 3">
+            <a:extLst>
+              <a:ext uri="{FF2B5EF4-FFF2-40B4-BE49-F238E27FC236}">
+                <a16:creationId xmlns:a16="http://schemas.microsoft.com/office/drawing/2014/main" id="{6F1E0F98-E938-3BDA-0140-CC6681D51278}"/>
+              </a:ext>
+            </a:extLst>
+          </p:cNvPr>
+          <p:cNvPicPr>
+            <a:picLocks noChangeAspect="1"/>
+          </p:cNvPicPr>
+          <p:nvPr/>
+        </p:nvPicPr>
+        <p:blipFill>
+          <a:blip r:embed="rId2"/>
+          <a:stretch>
+            <a:fillRect/>
+          </a:stretch>
+        </p:blipFill>
+        <p:spPr>
+          <a:xfrm>
+            <a:off x="556592" y="351467"/>
+            <a:ext cx="7694844" cy="4836759"/>
+          </a:xfrm>
+          <a:prstGeom prst="rect">
+            <a:avLst/>
+          </a:prstGeom>
+        </p:spPr>
+      </p:pic>
+    </p:spTree>
+    <p:extLst>
+      <p:ext uri="{BB962C8B-B14F-4D97-AF65-F5344CB8AC3E}">
+        <p14:creationId xmlns:p14="http://schemas.microsoft.com/office/powerpoint/2010/main" val="2925150018"/>
       </p:ext>
     </p:extLst>
   </p:cSld>
